--- a/Alo.pptx
+++ b/Alo.pptx
@@ -2994,7 +2994,7 @@
             </a:r>
             <a:r>
               <a:rPr lang="es-CL" smtClean="0"/>
-              <a:t>23456</a:t>
+              <a:t>23456789</a:t>
             </a:r>
             <a:endParaRPr lang="es-ES"/>
           </a:p>

--- a/Alo.pptx
+++ b/Alo.pptx
@@ -2994,7 +2994,7 @@
             </a:r>
             <a:r>
               <a:rPr lang="es-CL" smtClean="0"/>
-              <a:t>23456789</a:t>
+              <a:t>2345678912</a:t>
             </a:r>
             <a:endParaRPr lang="es-ES"/>
           </a:p>
